--- a/Documentação/Grupo 3 - Status Report 16-09.pptx
+++ b/Documentação/Grupo 3 - Status Report 16-09.pptx
@@ -230,7 +230,7 @@
           <a:p>
             <a:fld id="{C3CD65D1-5C11-455D-9F9A-0E035F00A0DA}" type="datetimeFigureOut">
               <a:rPr lang="pt-BR" smtClean="0"/>
-              <a:t>16/09/2021</a:t>
+              <a:t>23/09/2021</a:t>
             </a:fld>
             <a:endParaRPr lang="pt-BR"/>
           </a:p>
@@ -396,7 +396,7 @@
           <a:p>
             <a:fld id="{A05DA3EF-18EA-43DE-B1BB-402A3C558822}" type="datetimeFigureOut">
               <a:rPr lang="pt-BR" smtClean="0"/>
-              <a:t>16/09/2021</a:t>
+              <a:t>23/09/2021</a:t>
             </a:fld>
             <a:endParaRPr lang="pt-BR"/>
           </a:p>
@@ -22347,8 +22347,8 @@
           </a:p>
           <a:p>
             <a:r>
-              <a:rPr lang="pt-PT" altLang="pt-BR" dirty="0" smtClean="0"/>
-              <a:t>16/08/2021</a:t>
+              <a:rPr lang="pt-PT" altLang="pt-BR" dirty="0"/>
+              <a:t>23/09/2021</a:t>
             </a:r>
             <a:endParaRPr lang="pt-BR" dirty="0"/>
           </a:p>
@@ -22493,60 +22493,20 @@
                 <a:latin typeface="Simplon Oi Headline"/>
                 <a:cs typeface="Simplon Oi Headline"/>
               </a:rPr>
-              <a:t>SEMANA </a:t>
+              <a:t>SEMANA 7 - </a:t>
             </a:r>
             <a:r>
-              <a:rPr lang="en-US" sz="2645" dirty="0">
+              <a:rPr lang="pt-PT" sz="2645" dirty="0">
                 <a:solidFill>
                   <a:prstClr val="black"/>
                 </a:solidFill>
                 <a:latin typeface="Simplon Oi Headline"/>
                 <a:cs typeface="Simplon Oi Headline"/>
               </a:rPr>
-              <a:t>6</a:t>
+              <a:t>23</a:t>
             </a:r>
             <a:r>
-              <a:rPr lang="en-US" sz="2645" dirty="0" smtClean="0">
-                <a:solidFill>
-                  <a:prstClr val="black"/>
-                </a:solidFill>
-                <a:latin typeface="Simplon Oi Headline"/>
-                <a:cs typeface="Simplon Oi Headline"/>
-              </a:rPr>
-              <a:t> </a:t>
-            </a:r>
-            <a:r>
-              <a:rPr lang="en-US" sz="2645" dirty="0">
-                <a:solidFill>
-                  <a:prstClr val="black"/>
-                </a:solidFill>
-                <a:latin typeface="Simplon Oi Headline"/>
-                <a:cs typeface="Simplon Oi Headline"/>
-              </a:rPr>
-              <a:t>- </a:t>
-            </a:r>
-            <a:r>
-              <a:rPr lang="pt-PT" sz="2645" dirty="0" smtClean="0">
-                <a:solidFill>
-                  <a:prstClr val="black"/>
-                </a:solidFill>
-                <a:latin typeface="Simplon Oi Headline"/>
-                <a:cs typeface="Simplon Oi Headline"/>
-              </a:rPr>
-              <a:t>1</a:t>
-            </a:r>
-            <a:r>
-              <a:rPr lang="pt-PT" sz="2645" dirty="0" smtClean="0">
-                <a:solidFill>
-                  <a:prstClr val="black"/>
-                </a:solidFill>
-                <a:latin typeface="Simplon Oi Headline"/>
-                <a:cs typeface="Simplon Oi Headline"/>
-              </a:rPr>
-              <a:t>6</a:t>
-            </a:r>
-            <a:r>
-              <a:rPr lang="pt-PT" altLang="en-US" sz="2645" dirty="0" smtClean="0">
+              <a:rPr lang="pt-PT" altLang="en-US" sz="2645" dirty="0">
                 <a:solidFill>
                   <a:prstClr val="black"/>
                 </a:solidFill>
@@ -22555,13 +22515,6 @@
               </a:rPr>
               <a:t>/09/2021</a:t>
             </a:r>
-            <a:endParaRPr lang="pt-PT" altLang="en-US" sz="2645" dirty="0">
-              <a:solidFill>
-                <a:prstClr val="black"/>
-              </a:solidFill>
-              <a:latin typeface="Simplon Oi Headline"/>
-              <a:cs typeface="Simplon Oi Headline"/>
-            </a:endParaRPr>
           </a:p>
         </p:txBody>
       </p:sp>
@@ -22698,7 +22651,7 @@
             <a:avLst/>
           </a:prstGeom>
           <a:solidFill>
-            <a:srgbClr val="FFC000"/>
+            <a:srgbClr val="FF0000"/>
           </a:solidFill>
           <a:ln w="12700">
             <a:solidFill>
@@ -23478,42 +23431,14 @@
           <a:p>
             <a:pPr marL="0" lvl="1" defTabSz="671830"/>
             <a:r>
-              <a:rPr lang="pt-BR" sz="1400" b="1" dirty="0" smtClean="0">
+              <a:rPr lang="pt-BR" sz="1400" b="1" dirty="0">
                 <a:solidFill>
                   <a:schemeClr val="tx1"/>
                 </a:solidFill>
                 <a:latin typeface="Calibri" panose="020F0502020204030204" pitchFamily="34" charset="0"/>
                 <a:cs typeface="Simplon BP Regular"/>
               </a:rPr>
-              <a:t>Frente Negócios</a:t>
-            </a:r>
-            <a:endParaRPr lang="pt-BR" sz="1400" b="1" dirty="0">
-              <a:solidFill>
-                <a:schemeClr val="tx1"/>
-              </a:solidFill>
-              <a:latin typeface="Calibri" panose="020F0502020204030204" pitchFamily="34" charset="0"/>
-              <a:cs typeface="Simplon BP Regular"/>
-            </a:endParaRPr>
-          </a:p>
-          <a:p>
-            <a:pPr marL="252095" indent="-252095" fontAlgn="base">
-              <a:spcBef>
-                <a:spcPct val="0"/>
-              </a:spcBef>
-              <a:buFont typeface="Wingdings" panose="05000000000000000000" pitchFamily="2" charset="2"/>
-              <a:buChar char="ü"/>
-              <a:defRPr/>
-            </a:pPr>
-            <a:r>
-              <a:rPr lang="pt-PT" altLang="pt-BR" sz="1400" b="1" dirty="0" smtClean="0">
-                <a:solidFill>
-                  <a:schemeClr val="tx1"/>
-                </a:solidFill>
-                <a:latin typeface="Calibri" panose="020F0502020204030204" pitchFamily="34" charset="0"/>
-                <a:cs typeface="Simplon BP Regular"/>
-                <a:sym typeface="+mn-ea"/>
-              </a:rPr>
-              <a:t>Criar as Sprints Backlog</a:t>
+              <a:t>Frente Negócio</a:t>
             </a:r>
             <a:endParaRPr lang="pt-PT" altLang="pt-BR" sz="1400" b="1" dirty="0">
               <a:solidFill>
@@ -23534,7 +23459,7 @@
               <a:defRPr/>
             </a:pPr>
             <a:r>
-              <a:rPr lang="pt-PT" altLang="pt-BR" sz="1400" b="1" dirty="0" smtClean="0">
+              <a:rPr lang="pt-PT" altLang="pt-BR" sz="1400" b="1" dirty="0">
                 <a:solidFill>
                   <a:schemeClr val="tx1"/>
                 </a:solidFill>
@@ -23544,14 +23469,65 @@
               </a:rPr>
               <a:t>Criar o Gant do projeto</a:t>
             </a:r>
-            <a:endParaRPr lang="pt-PT" altLang="pt-BR" sz="1400" b="1" dirty="0">
-              <a:solidFill>
-                <a:schemeClr val="tx1"/>
-              </a:solidFill>
-              <a:latin typeface="Calibri" panose="020F0502020204030204" pitchFamily="34" charset="0"/>
-              <a:cs typeface="Simplon BP Regular"/>
-              <a:sym typeface="+mn-ea"/>
-            </a:endParaRPr>
+          </a:p>
+          <a:p>
+            <a:pPr marL="252095" indent="-252095" fontAlgn="base">
+              <a:spcBef>
+                <a:spcPct val="0"/>
+              </a:spcBef>
+              <a:buFont typeface="Wingdings" panose="05000000000000000000" pitchFamily="2" charset="2"/>
+              <a:buChar char="ü"/>
+              <a:defRPr/>
+            </a:pPr>
+            <a:r>
+              <a:rPr lang="pt-PT" altLang="pt-BR" sz="1400" b="1" dirty="0">
+                <a:solidFill>
+                  <a:schemeClr val="tx1"/>
+                </a:solidFill>
+                <a:latin typeface="Calibri" panose="020F0502020204030204" pitchFamily="34" charset="0"/>
+                <a:cs typeface="Simplon BP Regular"/>
+                <a:sym typeface="+mn-ea"/>
+              </a:rPr>
+              <a:t>Criar Diagrama de solução de software</a:t>
+            </a:r>
+          </a:p>
+          <a:p>
+            <a:pPr fontAlgn="base">
+              <a:spcBef>
+                <a:spcPct val="0"/>
+              </a:spcBef>
+              <a:defRPr/>
+            </a:pPr>
+            <a:r>
+              <a:rPr lang="pt-PT" altLang="pt-BR" sz="1400" b="1" dirty="0">
+                <a:solidFill>
+                  <a:schemeClr val="tx1"/>
+                </a:solidFill>
+                <a:latin typeface="Calibri" panose="020F0502020204030204" pitchFamily="34" charset="0"/>
+                <a:cs typeface="Simplon BP Regular"/>
+                <a:sym typeface="+mn-ea"/>
+              </a:rPr>
+              <a:t>       Atualizar products Backlogs</a:t>
+            </a:r>
+          </a:p>
+          <a:p>
+            <a:pPr fontAlgn="base">
+              <a:spcBef>
+                <a:spcPct val="0"/>
+              </a:spcBef>
+              <a:defRPr/>
+            </a:pPr>
+            <a:r>
+              <a:rPr lang="pt-PT" altLang="pt-BR" sz="1400" b="1" dirty="0">
+                <a:solidFill>
+                  <a:schemeClr val="tx1"/>
+                </a:solidFill>
+                <a:latin typeface="Calibri" panose="020F0502020204030204" pitchFamily="34" charset="0"/>
+                <a:cs typeface="Simplon BP Regular"/>
+                <a:sym typeface="+mn-ea"/>
+              </a:rPr>
+              <a:t> </a:t>
+            </a:r>
           </a:p>
           <a:p>
             <a:pPr marL="252095" indent="-252095" fontAlgn="base">
@@ -23589,6 +23565,13 @@
               </a:rPr>
               <a:t>Frente Front</a:t>
             </a:r>
+            <a:endParaRPr lang="pt-PT" altLang="pt-BR" sz="1400" b="1" dirty="0">
+              <a:solidFill>
+                <a:schemeClr val="tx1"/>
+              </a:solidFill>
+              <a:latin typeface="Calibri" panose="020F0502020204030204" pitchFamily="34" charset="0"/>
+              <a:cs typeface="Simplon BP Regular"/>
+            </a:endParaRPr>
           </a:p>
           <a:p>
             <a:pPr marL="252095" indent="-252095" fontAlgn="base">
@@ -23600,14 +23583,14 @@
               <a:defRPr/>
             </a:pPr>
             <a:r>
-              <a:rPr lang="pt-PT" altLang="pt-BR" sz="1400" b="1" dirty="0" smtClean="0">
+              <a:rPr lang="pt-PT" altLang="pt-BR" sz="1400" b="1" dirty="0">
                 <a:solidFill>
                   <a:schemeClr val="tx1"/>
                 </a:solidFill>
                 <a:latin typeface="Calibri" panose="020F0502020204030204" pitchFamily="34" charset="0"/>
                 <a:cs typeface="Simplon BP Regular"/>
               </a:rPr>
-              <a:t>Finalizar as últimas telas essencias no Figma</a:t>
+              <a:t>Começar a criaçao das telas</a:t>
             </a:r>
           </a:p>
           <a:p>
@@ -23619,16 +23602,6 @@
               <a:buChar char="ü"/>
               <a:defRPr/>
             </a:pPr>
-            <a:r>
-              <a:rPr lang="pt-PT" altLang="pt-BR" sz="1400" b="1" dirty="0" smtClean="0">
-                <a:solidFill>
-                  <a:schemeClr val="tx1"/>
-                </a:solidFill>
-                <a:latin typeface="Calibri" panose="020F0502020204030204" pitchFamily="34" charset="0"/>
-                <a:cs typeface="Simplon BP Regular"/>
-              </a:rPr>
-              <a:t>Começar a criaçao das telas</a:t>
-            </a:r>
             <a:endParaRPr lang="pt-PT" altLang="pt-BR" sz="1400" b="1" dirty="0">
               <a:solidFill>
                 <a:schemeClr val="tx1"/>
@@ -23669,17 +23642,7 @@
                 <a:latin typeface="Calibri" panose="020F0502020204030204" pitchFamily="34" charset="0"/>
                 <a:cs typeface="Simplon BP Regular"/>
               </a:rPr>
-              <a:t>Frente </a:t>
-            </a:r>
-            <a:r>
-              <a:rPr lang="pt-PT" altLang="pt-BR" sz="1400" b="1" dirty="0" smtClean="0">
-                <a:solidFill>
-                  <a:schemeClr val="tx1"/>
-                </a:solidFill>
-                <a:latin typeface="Calibri" panose="020F0502020204030204" pitchFamily="34" charset="0"/>
-                <a:cs typeface="Simplon BP Regular"/>
-              </a:rPr>
-              <a:t>Backend</a:t>
+              <a:t>Frente Backend</a:t>
             </a:r>
           </a:p>
           <a:p>
@@ -23692,7 +23655,7 @@
               <a:defRPr/>
             </a:pPr>
             <a:r>
-              <a:rPr lang="pt-PT" altLang="pt-BR" sz="1400" b="1" dirty="0" smtClean="0">
+              <a:rPr lang="pt-PT" altLang="pt-BR" sz="1400" b="1" dirty="0">
                 <a:solidFill>
                   <a:schemeClr val="tx1"/>
                 </a:solidFill>
@@ -23712,14 +23675,14 @@
               <a:defRPr/>
             </a:pPr>
             <a:r>
-              <a:rPr lang="pt-PT" altLang="pt-BR" sz="1400" b="1" dirty="0" smtClean="0">
+              <a:rPr lang="pt-PT" altLang="pt-BR" sz="1400" b="1" dirty="0">
                 <a:solidFill>
                   <a:schemeClr val="tx1"/>
                 </a:solidFill>
                 <a:latin typeface="Calibri" panose="020F0502020204030204" pitchFamily="34" charset="0"/>
                 <a:cs typeface="Simplon BP Regular"/>
               </a:rPr>
-              <a:t>Continuar criação da API</a:t>
+              <a:t>Atualzação da API</a:t>
             </a:r>
           </a:p>
           <a:p>
@@ -23732,14 +23695,14 @@
               <a:defRPr/>
             </a:pPr>
             <a:r>
-              <a:rPr lang="pt-PT" altLang="pt-BR" sz="1400" b="1" dirty="0" smtClean="0">
+              <a:rPr lang="pt-PT" altLang="pt-BR" sz="1400" b="1" dirty="0">
                 <a:solidFill>
                   <a:schemeClr val="tx1"/>
                 </a:solidFill>
                 <a:latin typeface="Calibri" panose="020F0502020204030204" pitchFamily="34" charset="0"/>
                 <a:cs typeface="Simplon BP Regular"/>
               </a:rPr>
-              <a:t>Conexão com o DB</a:t>
+              <a:t>Padrões de negocio</a:t>
             </a:r>
           </a:p>
           <a:p>
@@ -23788,7 +23751,7 @@
         </p:nvSpPr>
         <p:spPr>
           <a:xfrm>
-            <a:off x="12155999" y="278623"/>
+            <a:off x="12155999" y="193562"/>
             <a:ext cx="211404" cy="211689"/>
           </a:xfrm>
           <a:prstGeom prst="ellipse">
@@ -23844,14 +23807,14 @@
         </p:nvSpPr>
         <p:spPr>
           <a:xfrm>
-            <a:off x="10188056" y="288207"/>
+            <a:off x="10185142" y="309765"/>
             <a:ext cx="211404" cy="211689"/>
           </a:xfrm>
           <a:prstGeom prst="ellipse">
             <a:avLst/>
           </a:prstGeom>
           <a:solidFill>
-            <a:srgbClr val="FFC000"/>
+            <a:srgbClr val="00B050"/>
           </a:solidFill>
           <a:ln w="12700">
             <a:solidFill>
@@ -24109,7 +24072,7 @@
             <a:avLst/>
           </a:prstGeom>
           <a:solidFill>
-            <a:srgbClr val="FF0000"/>
+            <a:srgbClr val="00B050"/>
           </a:solidFill>
           <a:ln w="12700">
             <a:solidFill>
@@ -24157,7 +24120,7 @@
         <p:spPr>
           <a:xfrm>
             <a:off x="7081515" y="1404367"/>
-            <a:ext cx="4741258" cy="523220"/>
+            <a:ext cx="4741258" cy="307777"/>
           </a:xfrm>
           <a:prstGeom prst="rect">
             <a:avLst/>
@@ -24171,16 +24134,268 @@
           <a:lstStyle/>
           <a:p>
             <a:r>
-              <a:rPr lang="pt-BR" sz="1400" dirty="0" smtClean="0"/>
-              <a:t>Faltas de integrantes</a:t>
+              <a:rPr lang="pt-BR" sz="1400" dirty="0"/>
+              <a:t>Comunicação frequente sobre as entregas</a:t>
             </a:r>
           </a:p>
+        </p:txBody>
+      </p:sp>
+      <p:sp>
+        <p:nvSpPr>
+          <p:cNvPr id="23" name="CaixaDeTexto 22">
+            <a:extLst>
+              <a:ext uri="{FF2B5EF4-FFF2-40B4-BE49-F238E27FC236}">
+                <a16:creationId xmlns:a16="http://schemas.microsoft.com/office/drawing/2014/main" id="{9F068477-A8B6-4B75-A7AC-2FEB2A9B9963}"/>
+              </a:ext>
+            </a:extLst>
+          </p:cNvPr>
+          <p:cNvSpPr txBox="1"/>
+          <p:nvPr/>
+        </p:nvSpPr>
+        <p:spPr>
+          <a:xfrm>
+            <a:off x="478211" y="1183070"/>
+            <a:ext cx="6963344" cy="461665"/>
+          </a:xfrm>
+          <a:prstGeom prst="rect">
+            <a:avLst/>
+          </a:prstGeom>
+          <a:noFill/>
+        </p:spPr>
+        <p:txBody>
+          <a:bodyPr wrap="square">
+            <a:spAutoFit/>
+          </a:bodyPr>
+          <a:lstStyle/>
+          <a:p>
+            <a:pPr fontAlgn="base">
+              <a:spcBef>
+                <a:spcPct val="0"/>
+              </a:spcBef>
+              <a:defRPr/>
+            </a:pPr>
+            <a:endParaRPr lang="pt-PT" altLang="pt-BR" sz="1200" b="1" dirty="0">
+              <a:solidFill>
+                <a:schemeClr val="tx1"/>
+              </a:solidFill>
+              <a:latin typeface="Calibri" panose="020F0502020204030204" pitchFamily="34" charset="0"/>
+              <a:cs typeface="Simplon BP Regular"/>
+              <a:sym typeface="+mn-ea"/>
+            </a:endParaRPr>
+          </a:p>
+          <a:p>
+            <a:pPr marL="252095" indent="-252095" fontAlgn="base">
+              <a:spcBef>
+                <a:spcPct val="0"/>
+              </a:spcBef>
+              <a:buFont typeface="Wingdings" panose="05000000000000000000" pitchFamily="2" charset="2"/>
+              <a:buChar char="ü"/>
+              <a:defRPr/>
+            </a:pPr>
+            <a:r>
+              <a:rPr lang="pt-PT" altLang="pt-BR" sz="1200" b="1" dirty="0">
+                <a:solidFill>
+                  <a:schemeClr val="tx1"/>
+                </a:solidFill>
+                <a:latin typeface="Calibri" panose="020F0502020204030204" pitchFamily="34" charset="0"/>
+                <a:cs typeface="Simplon BP Regular"/>
+              </a:rPr>
+              <a:t>Finalizar as últimas telas essencias no Figma</a:t>
+            </a:r>
+          </a:p>
+        </p:txBody>
+      </p:sp>
+      <p:sp>
+        <p:nvSpPr>
+          <p:cNvPr id="25" name="CaixaDeTexto 24">
+            <a:extLst>
+              <a:ext uri="{FF2B5EF4-FFF2-40B4-BE49-F238E27FC236}">
+                <a16:creationId xmlns:a16="http://schemas.microsoft.com/office/drawing/2014/main" id="{35F18085-52A8-4A12-B442-51FCF9F0ACEB}"/>
+              </a:ext>
+            </a:extLst>
+          </p:cNvPr>
+          <p:cNvSpPr txBox="1"/>
+          <p:nvPr/>
+        </p:nvSpPr>
+        <p:spPr>
+          <a:xfrm>
+            <a:off x="469692" y="1686105"/>
+            <a:ext cx="6719776" cy="276999"/>
+          </a:xfrm>
+          <a:prstGeom prst="rect">
+            <a:avLst/>
+          </a:prstGeom>
+          <a:noFill/>
+        </p:spPr>
+        <p:txBody>
+          <a:bodyPr wrap="square">
+            <a:spAutoFit/>
+          </a:bodyPr>
+          <a:lstStyle/>
+          <a:p>
+            <a:pPr marL="252095" indent="-252095" fontAlgn="base">
+              <a:spcBef>
+                <a:spcPct val="0"/>
+              </a:spcBef>
+              <a:buFont typeface="Wingdings" panose="05000000000000000000" pitchFamily="2" charset="2"/>
+              <a:buChar char="ü"/>
+              <a:defRPr/>
+            </a:pPr>
+            <a:r>
+              <a:rPr lang="pt-PT" altLang="pt-BR" sz="1200" b="1" dirty="0">
+                <a:solidFill>
+                  <a:schemeClr val="tx1"/>
+                </a:solidFill>
+                <a:latin typeface="Calibri" panose="020F0502020204030204" pitchFamily="34" charset="0"/>
+                <a:cs typeface="Simplon BP Regular"/>
+              </a:rPr>
+              <a:t>Conexão com o DB</a:t>
+            </a:r>
+          </a:p>
+        </p:txBody>
+      </p:sp>
+      <p:sp>
+        <p:nvSpPr>
+          <p:cNvPr id="27" name="CaixaDeTexto 26">
+            <a:extLst>
+              <a:ext uri="{FF2B5EF4-FFF2-40B4-BE49-F238E27FC236}">
+                <a16:creationId xmlns:a16="http://schemas.microsoft.com/office/drawing/2014/main" id="{BC88088C-37A9-4F75-AA92-10891A486908}"/>
+              </a:ext>
+            </a:extLst>
+          </p:cNvPr>
+          <p:cNvSpPr txBox="1"/>
+          <p:nvPr/>
+        </p:nvSpPr>
+        <p:spPr>
+          <a:xfrm>
+            <a:off x="507536" y="2024439"/>
+            <a:ext cx="6719776" cy="276999"/>
+          </a:xfrm>
+          <a:prstGeom prst="rect">
+            <a:avLst/>
+          </a:prstGeom>
+          <a:noFill/>
+        </p:spPr>
+        <p:txBody>
+          <a:bodyPr wrap="square">
+            <a:spAutoFit/>
+          </a:bodyPr>
+          <a:lstStyle/>
           <a:p>
             <a:r>
-              <a:rPr lang="pt-BR" sz="1400" dirty="0" smtClean="0"/>
-              <a:t>Riscos de atrasos nas entregas</a:t>
+              <a:rPr lang="pt-PT" altLang="pt-BR" sz="1200" b="1" dirty="0">
+                <a:solidFill>
+                  <a:schemeClr val="tx1"/>
+                </a:solidFill>
+                <a:latin typeface="Calibri" panose="020F0502020204030204" pitchFamily="34" charset="0"/>
+                <a:cs typeface="Simplon BP Regular"/>
+                <a:sym typeface="+mn-ea"/>
+              </a:rPr>
+              <a:t>Criar as Sprints Backlog</a:t>
             </a:r>
-            <a:endParaRPr lang="pt-BR" sz="1400" dirty="0"/>
+            <a:endParaRPr lang="pt-BR" sz="1200" dirty="0"/>
+          </a:p>
+        </p:txBody>
+      </p:sp>
+      <p:sp>
+        <p:nvSpPr>
+          <p:cNvPr id="28" name="CaixaDeTexto 27">
+            <a:extLst>
+              <a:ext uri="{FF2B5EF4-FFF2-40B4-BE49-F238E27FC236}">
+                <a16:creationId xmlns:a16="http://schemas.microsoft.com/office/drawing/2014/main" id="{733812AD-8EB9-4864-B47D-C3F0B5EEE8B9}"/>
+              </a:ext>
+            </a:extLst>
+          </p:cNvPr>
+          <p:cNvSpPr txBox="1"/>
+          <p:nvPr/>
+        </p:nvSpPr>
+        <p:spPr>
+          <a:xfrm>
+            <a:off x="428428" y="2242193"/>
+            <a:ext cx="6719776" cy="276999"/>
+          </a:xfrm>
+          <a:prstGeom prst="rect">
+            <a:avLst/>
+          </a:prstGeom>
+          <a:noFill/>
+        </p:spPr>
+        <p:txBody>
+          <a:bodyPr wrap="square">
+            <a:spAutoFit/>
+          </a:bodyPr>
+          <a:lstStyle/>
+          <a:p>
+            <a:pPr marL="252095" indent="-252095" fontAlgn="base">
+              <a:spcBef>
+                <a:spcPct val="0"/>
+              </a:spcBef>
+              <a:buFont typeface="Wingdings" panose="05000000000000000000" pitchFamily="2" charset="2"/>
+              <a:buChar char="ü"/>
+              <a:defRPr/>
+            </a:pPr>
+            <a:r>
+              <a:rPr lang="pt-PT" altLang="pt-BR" sz="1200" b="1" dirty="0">
+                <a:latin typeface="Calibri" panose="020F0502020204030204" pitchFamily="34" charset="0"/>
+                <a:cs typeface="Simplon BP Regular"/>
+              </a:rPr>
+              <a:t>Criação da API</a:t>
+            </a:r>
+            <a:endParaRPr lang="pt-PT" altLang="pt-BR" sz="1200" b="1" dirty="0">
+              <a:solidFill>
+                <a:schemeClr val="tx1"/>
+              </a:solidFill>
+              <a:latin typeface="Calibri" panose="020F0502020204030204" pitchFamily="34" charset="0"/>
+              <a:cs typeface="Simplon BP Regular"/>
+            </a:endParaRPr>
+          </a:p>
+        </p:txBody>
+      </p:sp>
+      <p:sp>
+        <p:nvSpPr>
+          <p:cNvPr id="30" name="CaixaDeTexto 29">
+            <a:extLst>
+              <a:ext uri="{FF2B5EF4-FFF2-40B4-BE49-F238E27FC236}">
+                <a16:creationId xmlns:a16="http://schemas.microsoft.com/office/drawing/2014/main" id="{CCFE6FBC-A9A5-4895-85E6-2DE41953DEE5}"/>
+              </a:ext>
+            </a:extLst>
+          </p:cNvPr>
+          <p:cNvSpPr txBox="1"/>
+          <p:nvPr/>
+        </p:nvSpPr>
+        <p:spPr>
+          <a:xfrm>
+            <a:off x="443843" y="2488194"/>
+            <a:ext cx="6719776" cy="276999"/>
+          </a:xfrm>
+          <a:prstGeom prst="rect">
+            <a:avLst/>
+          </a:prstGeom>
+          <a:noFill/>
+        </p:spPr>
+        <p:txBody>
+          <a:bodyPr wrap="square">
+            <a:spAutoFit/>
+          </a:bodyPr>
+          <a:lstStyle/>
+          <a:p>
+            <a:pPr marL="252095" indent="-252095" fontAlgn="base">
+              <a:spcBef>
+                <a:spcPct val="0"/>
+              </a:spcBef>
+              <a:buFont typeface="Wingdings" panose="05000000000000000000" pitchFamily="2" charset="2"/>
+              <a:buChar char="ü"/>
+              <a:defRPr/>
+            </a:pPr>
+            <a:r>
+              <a:rPr lang="pt-PT" altLang="pt-BR" sz="1200" b="1" dirty="0">
+                <a:solidFill>
+                  <a:schemeClr val="tx1"/>
+                </a:solidFill>
+                <a:latin typeface="Calibri" panose="020F0502020204030204" pitchFamily="34" charset="0"/>
+                <a:cs typeface="Simplon BP Regular"/>
+              </a:rPr>
+              <a:t>Corrigir o Diagrama de Classes</a:t>
+            </a:r>
           </a:p>
         </p:txBody>
       </p:sp>
@@ -24189,13 +24404,6 @@
   <p:clrMapOvr>
     <a:masterClrMapping/>
   </p:clrMapOvr>
-  <p:timing>
-    <p:tnLst>
-      <p:par>
-        <p:cTn id="1" dur="indefinite" restart="never" nodeType="tmRoot"/>
-      </p:par>
-    </p:tnLst>
-  </p:timing>
 </p:sld>
 </file>
 

--- a/Documentação/Grupo 3 - Status Report 16-09.pptx
+++ b/Documentação/Grupo 3 - Status Report 16-09.pptx
@@ -23590,7 +23590,7 @@
                 <a:latin typeface="Calibri" panose="020F0502020204030204" pitchFamily="34" charset="0"/>
                 <a:cs typeface="Simplon BP Regular"/>
               </a:rPr>
-              <a:t>Começar a criaçao das telas</a:t>
+              <a:t>Começar a criaçao das telas:</a:t>
             </a:r>
           </a:p>
           <a:p>
@@ -23702,7 +23702,7 @@
                 <a:latin typeface="Calibri" panose="020F0502020204030204" pitchFamily="34" charset="0"/>
                 <a:cs typeface="Simplon BP Regular"/>
               </a:rPr>
-              <a:t>Padrões de negocio</a:t>
+              <a:t>Padrões de projeto</a:t>
             </a:r>
           </a:p>
           <a:p>
